--- a/SAP Customer Engagement and Discovery/Course-3-Final-Project-Customer-Journey.pptx
+++ b/SAP Customer Engagement and Discovery/Course-3-Final-Project-Customer-Journey.pptx
@@ -266,7 +266,7 @@
           <a:p>
             <a:fld id="{B09EAEE1-3CD0-4DFE-9865-EEDFCBBE01D8}" type="datetimeFigureOut">
               <a:rPr lang="en-US" smtClean="0"/>
-              <a:t>2/19/2023</a:t>
+              <a:t>7/3/2023</a:t>
             </a:fld>
             <a:endParaRPr lang="en-US"/>
           </a:p>
@@ -464,7 +464,7 @@
           <a:p>
             <a:fld id="{B09EAEE1-3CD0-4DFE-9865-EEDFCBBE01D8}" type="datetimeFigureOut">
               <a:rPr lang="en-US" smtClean="0"/>
-              <a:t>2/19/2023</a:t>
+              <a:t>7/3/2023</a:t>
             </a:fld>
             <a:endParaRPr lang="en-US"/>
           </a:p>
@@ -672,7 +672,7 @@
           <a:p>
             <a:fld id="{B09EAEE1-3CD0-4DFE-9865-EEDFCBBE01D8}" type="datetimeFigureOut">
               <a:rPr lang="en-US" smtClean="0"/>
-              <a:t>2/19/2023</a:t>
+              <a:t>7/3/2023</a:t>
             </a:fld>
             <a:endParaRPr lang="en-US"/>
           </a:p>
@@ -870,7 +870,7 @@
           <a:p>
             <a:fld id="{B09EAEE1-3CD0-4DFE-9865-EEDFCBBE01D8}" type="datetimeFigureOut">
               <a:rPr lang="en-US" smtClean="0"/>
-              <a:t>2/19/2023</a:t>
+              <a:t>7/3/2023</a:t>
             </a:fld>
             <a:endParaRPr lang="en-US"/>
           </a:p>
@@ -1145,7 +1145,7 @@
           <a:p>
             <a:fld id="{B09EAEE1-3CD0-4DFE-9865-EEDFCBBE01D8}" type="datetimeFigureOut">
               <a:rPr lang="en-US" smtClean="0"/>
-              <a:t>2/19/2023</a:t>
+              <a:t>7/3/2023</a:t>
             </a:fld>
             <a:endParaRPr lang="en-US"/>
           </a:p>
@@ -1410,7 +1410,7 @@
           <a:p>
             <a:fld id="{B09EAEE1-3CD0-4DFE-9865-EEDFCBBE01D8}" type="datetimeFigureOut">
               <a:rPr lang="en-US" smtClean="0"/>
-              <a:t>2/19/2023</a:t>
+              <a:t>7/3/2023</a:t>
             </a:fld>
             <a:endParaRPr lang="en-US"/>
           </a:p>
@@ -1822,7 +1822,7 @@
           <a:p>
             <a:fld id="{B09EAEE1-3CD0-4DFE-9865-EEDFCBBE01D8}" type="datetimeFigureOut">
               <a:rPr lang="en-US" smtClean="0"/>
-              <a:t>2/19/2023</a:t>
+              <a:t>7/3/2023</a:t>
             </a:fld>
             <a:endParaRPr lang="en-US"/>
           </a:p>
@@ -1963,7 +1963,7 @@
           <a:p>
             <a:fld id="{B09EAEE1-3CD0-4DFE-9865-EEDFCBBE01D8}" type="datetimeFigureOut">
               <a:rPr lang="en-US" smtClean="0"/>
-              <a:t>2/19/2023</a:t>
+              <a:t>7/3/2023</a:t>
             </a:fld>
             <a:endParaRPr lang="en-US"/>
           </a:p>
@@ -2076,7 +2076,7 @@
           <a:p>
             <a:fld id="{B09EAEE1-3CD0-4DFE-9865-EEDFCBBE01D8}" type="datetimeFigureOut">
               <a:rPr lang="en-US" smtClean="0"/>
-              <a:t>2/19/2023</a:t>
+              <a:t>7/3/2023</a:t>
             </a:fld>
             <a:endParaRPr lang="en-US"/>
           </a:p>
@@ -2387,7 +2387,7 @@
           <a:p>
             <a:fld id="{B09EAEE1-3CD0-4DFE-9865-EEDFCBBE01D8}" type="datetimeFigureOut">
               <a:rPr lang="en-US" smtClean="0"/>
-              <a:t>2/19/2023</a:t>
+              <a:t>7/3/2023</a:t>
             </a:fld>
             <a:endParaRPr lang="en-US"/>
           </a:p>
@@ -2675,7 +2675,7 @@
           <a:p>
             <a:fld id="{B09EAEE1-3CD0-4DFE-9865-EEDFCBBE01D8}" type="datetimeFigureOut">
               <a:rPr lang="en-US" smtClean="0"/>
-              <a:t>2/19/2023</a:t>
+              <a:t>7/3/2023</a:t>
             </a:fld>
             <a:endParaRPr lang="en-US"/>
           </a:p>
@@ -2916,7 +2916,7 @@
           <a:p>
             <a:fld id="{B09EAEE1-3CD0-4DFE-9865-EEDFCBBE01D8}" type="datetimeFigureOut">
               <a:rPr lang="en-US" smtClean="0"/>
-              <a:t>2/19/2023</a:t>
+              <a:t>7/3/2023</a:t>
             </a:fld>
             <a:endParaRPr lang="en-US"/>
           </a:p>
@@ -3356,8 +3356,17 @@
           <a:p>
             <a:r>
               <a:rPr lang="en-US" dirty="0"/>
-              <a:t>Customer Journey Roadmap Presentation Template</a:t>
-            </a:r>
+              <a:t>Customer Journey </a:t>
+            </a:r>
+            <a:r>
+              <a:rPr lang="en-US"/>
+              <a:t>Roadmap </a:t>
+            </a:r>
+            <a:r>
+              <a:rPr lang="en-US" smtClean="0"/>
+              <a:t>Presentation</a:t>
+            </a:r>
+            <a:endParaRPr lang="en-US" dirty="0"/>
           </a:p>
         </p:txBody>
       </p:sp>
@@ -3376,7 +3385,17 @@
           <a:bodyPr/>
           <a:lstStyle/>
           <a:p>
-            <a:endParaRPr lang="en-MY"/>
+            <a:endParaRPr lang="en-MY" dirty="0" smtClean="0"/>
+          </a:p>
+          <a:p>
+            <a:endParaRPr lang="en-MY" dirty="0"/>
+          </a:p>
+          <a:p>
+            <a:r>
+              <a:rPr lang="en-MY" dirty="0" smtClean="0"/>
+              <a:t>SAP Intern, July 2023</a:t>
+            </a:r>
+            <a:endParaRPr lang="en-MY" dirty="0"/>
           </a:p>
         </p:txBody>
       </p:sp>
@@ -4302,11 +4321,7 @@
             </a:pPr>
             <a:r>
               <a:rPr lang="en-US" dirty="0" smtClean="0"/>
-              <a:t>SAP is abl</a:t>
-            </a:r>
-            <a:r>
-              <a:rPr lang="en-US" dirty="0" smtClean="0"/>
-              <a:t>e to help </a:t>
+              <a:t>SAP is able to help </a:t>
             </a:r>
             <a:r>
               <a:rPr lang="en-US" dirty="0" err="1" smtClean="0"/>
@@ -4656,6 +4671,15 @@
 </file>
 
 <file path=customXml/item1.xml><?xml version="1.0" encoding="utf-8"?>
+<?mso-contentType ?>
+<FormTemplates xmlns="http://schemas.microsoft.com/sharepoint/v3/contenttype/forms">
+  <Display>DocumentLibraryForm</Display>
+  <Edit>DocumentLibraryForm</Edit>
+  <New>DocumentLibraryForm</New>
+</FormTemplates>
+</file>
+
+<file path=customXml/item2.xml><?xml version="1.0" encoding="utf-8"?>
 <ct:contentTypeSchema xmlns:ct="http://schemas.microsoft.com/office/2006/metadata/contentType" xmlns:ma="http://schemas.microsoft.com/office/2006/metadata/properties/metaAttributes" ct:_="" ma:_="" ma:contentTypeName="Document" ma:contentTypeID="0x010100ED936FB306F8DB41A799ACF908C7C4CB" ma:contentTypeVersion="16" ma:contentTypeDescription="Create a new document." ma:contentTypeScope="" ma:versionID="19635fc1aada0307b7e81ac7e512d3fa">
   <xsd:schema xmlns:xsd="http://www.w3.org/2001/XMLSchema" xmlns:xs="http://www.w3.org/2001/XMLSchema" xmlns:p="http://schemas.microsoft.com/office/2006/metadata/properties" xmlns:ns2="a2ed0cef-3a2d-40a6-90b0-1d334f8ecdca" xmlns:ns3="631fbadb-5215-4657-8cd0-66e907a8ae8a" targetNamespace="http://schemas.microsoft.com/office/2006/metadata/properties" ma:root="true" ma:fieldsID="031381bf049acfa6cee850d3371c02df" ns2:_="" ns3:_="">
     <xsd:import namespace="a2ed0cef-3a2d-40a6-90b0-1d334f8ecdca"/>
@@ -4898,15 +4922,6 @@
 </ct:contentTypeSchema>
 </file>
 
-<file path=customXml/item2.xml><?xml version="1.0" encoding="utf-8"?>
-<?mso-contentType ?>
-<FormTemplates xmlns="http://schemas.microsoft.com/sharepoint/v3/contenttype/forms">
-  <Display>DocumentLibraryForm</Display>
-  <Edit>DocumentLibraryForm</Edit>
-  <New>DocumentLibraryForm</New>
-</FormTemplates>
-</file>
-
 <file path=customXml/item3.xml><?xml version="1.0" encoding="utf-8"?>
 <p:properties xmlns:p="http://schemas.microsoft.com/office/2006/metadata/properties" xmlns:xsi="http://www.w3.org/2001/XMLSchema-instance" xmlns:pc="http://schemas.microsoft.com/office/infopath/2007/PartnerControls">
   <documentManagement>
@@ -4919,6 +4934,14 @@
 </file>
 
 <file path=customXml/itemProps1.xml><?xml version="1.0" encoding="utf-8"?>
+<ds:datastoreItem xmlns:ds="http://schemas.openxmlformats.org/officeDocument/2006/customXml" ds:itemID="{F3E1C02C-AAC9-4852-8983-CECEAED02A83}">
+  <ds:schemaRefs>
+    <ds:schemaRef ds:uri="http://schemas.microsoft.com/sharepoint/v3/contenttype/forms"/>
+  </ds:schemaRefs>
+</ds:datastoreItem>
+</file>
+
+<file path=customXml/itemProps2.xml><?xml version="1.0" encoding="utf-8"?>
 <ds:datastoreItem xmlns:ds="http://schemas.openxmlformats.org/officeDocument/2006/customXml" ds:itemID="{D7DB5443-CEEF-4081-A11C-0FC16B773D72}">
   <ds:schemaRefs>
     <ds:schemaRef ds:uri="http://schemas.microsoft.com/office/2006/metadata/contentType"/>
@@ -4937,21 +4960,19 @@
 </ds:datastoreItem>
 </file>
 
-<file path=customXml/itemProps2.xml><?xml version="1.0" encoding="utf-8"?>
-<ds:datastoreItem xmlns:ds="http://schemas.openxmlformats.org/officeDocument/2006/customXml" ds:itemID="{F3E1C02C-AAC9-4852-8983-CECEAED02A83}">
-  <ds:schemaRefs>
-    <ds:schemaRef ds:uri="http://schemas.microsoft.com/sharepoint/v3/contenttype/forms"/>
-  </ds:schemaRefs>
-</ds:datastoreItem>
-</file>
-
 <file path=customXml/itemProps3.xml><?xml version="1.0" encoding="utf-8"?>
 <ds:datastoreItem xmlns:ds="http://schemas.openxmlformats.org/officeDocument/2006/customXml" ds:itemID="{AA66B778-5923-467D-998C-2567787E1066}">
   <ds:schemaRefs>
-    <ds:schemaRef ds:uri="http://schemas.microsoft.com/office/2006/metadata/properties"/>
+    <ds:schemaRef ds:uri="http://schemas.openxmlformats.org/package/2006/metadata/core-properties"/>
+    <ds:schemaRef ds:uri="http://purl.org/dc/dcmitype/"/>
+    <ds:schemaRef ds:uri="http://purl.org/dc/terms/"/>
+    <ds:schemaRef ds:uri="http://purl.org/dc/elements/1.1/"/>
+    <ds:schemaRef ds:uri="a2ed0cef-3a2d-40a6-90b0-1d334f8ecdca"/>
+    <ds:schemaRef ds:uri="http://schemas.microsoft.com/office/2006/documentManagement/types"/>
     <ds:schemaRef ds:uri="http://schemas.microsoft.com/office/infopath/2007/PartnerControls"/>
     <ds:schemaRef ds:uri="631fbadb-5215-4657-8cd0-66e907a8ae8a"/>
-    <ds:schemaRef ds:uri="a2ed0cef-3a2d-40a6-90b0-1d334f8ecdca"/>
+    <ds:schemaRef ds:uri="http://schemas.microsoft.com/office/2006/metadata/properties"/>
+    <ds:schemaRef ds:uri="http://www.w3.org/XML/1998/namespace"/>
   </ds:schemaRefs>
 </ds:datastoreItem>
 </file>